--- a/Python_60h/Aula02/Lógica de Programação.pptx
+++ b/Python_60h/Aula02/Lógica de Programação.pptx
@@ -126,6 +126,11 @@
       </a:defRPr>
     </a:lvl9pPr>
   </p:defaultTextStyle>
+  <p:extLst>
+    <p:ext uri="{EFAFB233-063F-42B5-8137-9DF3F51BA10A}">
+      <p15:sldGuideLst xmlns:p15="http://schemas.microsoft.com/office/powerpoint/2012/main"/>
+    </p:ext>
+  </p:extLst>
 </p:presentation>
 </file>
 
@@ -186,7 +191,7 @@
           <a:noFill/>
           <a:extLst>
             <a:ext uri="{909E8E84-426E-40dd-AFC4-6F175D3DCCD1}">
-              <a14:hiddenFill xmlns:a14="http://schemas.microsoft.com/office/drawing/2010/main" xmlns="">
+              <a14:hiddenFill xmlns="" xmlns:a14="http://schemas.microsoft.com/office/drawing/2010/main">
                 <a:solidFill>
                   <a:srgbClr val="FFFFFF"/>
                 </a:solidFill>
@@ -245,7 +250,7 @@
             </a:ln>
             <a:extLst>
               <a:ext uri="{91240B29-F687-4f45-9708-019B960494DF}">
-                <a14:hiddenLine xmlns:a14="http://schemas.microsoft.com/office/drawing/2010/main" xmlns="" w="9525">
+                <a14:hiddenLine xmlns="" xmlns:a14="http://schemas.microsoft.com/office/drawing/2010/main" w="9525">
                   <a:solidFill>
                     <a:srgbClr val="000000"/>
                   </a:solidFill>
@@ -335,7 +340,7 @@
             </a:ln>
             <a:extLst>
               <a:ext uri="{91240B29-F687-4f45-9708-019B960494DF}">
-                <a14:hiddenLine xmlns:a14="http://schemas.microsoft.com/office/drawing/2010/main" xmlns="" w="9525">
+                <a14:hiddenLine xmlns="" xmlns:a14="http://schemas.microsoft.com/office/drawing/2010/main" w="9525">
                   <a:solidFill>
                     <a:srgbClr val="000000"/>
                   </a:solidFill>
@@ -425,7 +430,7 @@
             </a:ln>
             <a:extLst>
               <a:ext uri="{91240B29-F687-4f45-9708-019B960494DF}">
-                <a14:hiddenLine xmlns:a14="http://schemas.microsoft.com/office/drawing/2010/main" xmlns="" w="9525">
+                <a14:hiddenLine xmlns="" xmlns:a14="http://schemas.microsoft.com/office/drawing/2010/main" w="9525">
                   <a:solidFill>
                     <a:srgbClr val="000000"/>
                   </a:solidFill>
@@ -459,7 +464,7 @@
             </a:ln>
             <a:extLst>
               <a:ext uri="{91240B29-F687-4f45-9708-019B960494DF}">
-                <a14:hiddenLine xmlns:a14="http://schemas.microsoft.com/office/drawing/2010/main" xmlns="" w="9525">
+                <a14:hiddenLine xmlns="" xmlns:a14="http://schemas.microsoft.com/office/drawing/2010/main" w="9525">
                   <a:solidFill>
                     <a:srgbClr val="000000"/>
                   </a:solidFill>
@@ -549,7 +554,7 @@
             </a:ln>
             <a:extLst>
               <a:ext uri="{91240B29-F687-4f45-9708-019B960494DF}">
-                <a14:hiddenLine xmlns:a14="http://schemas.microsoft.com/office/drawing/2010/main" xmlns="" w="9525">
+                <a14:hiddenLine xmlns="" xmlns:a14="http://schemas.microsoft.com/office/drawing/2010/main" w="9525">
                   <a:solidFill>
                     <a:srgbClr val="000000"/>
                   </a:solidFill>
@@ -611,7 +616,7 @@
             </a:ln>
             <a:extLst>
               <a:ext uri="{91240B29-F687-4f45-9708-019B960494DF}">
-                <a14:hiddenLine xmlns:a14="http://schemas.microsoft.com/office/drawing/2010/main" xmlns="" w="9525">
+                <a14:hiddenLine xmlns="" xmlns:a14="http://schemas.microsoft.com/office/drawing/2010/main" w="9525">
                   <a:solidFill>
                     <a:srgbClr val="000000"/>
                   </a:solidFill>
@@ -673,7 +678,7 @@
             </a:ln>
             <a:extLst>
               <a:ext uri="{91240B29-F687-4f45-9708-019B960494DF}">
-                <a14:hiddenLine xmlns:a14="http://schemas.microsoft.com/office/drawing/2010/main" xmlns="" w="9525">
+                <a14:hiddenLine xmlns="" xmlns:a14="http://schemas.microsoft.com/office/drawing/2010/main" w="9525">
                   <a:solidFill>
                     <a:srgbClr val="000000"/>
                   </a:solidFill>
@@ -763,7 +768,7 @@
             </a:ln>
             <a:extLst>
               <a:ext uri="{91240B29-F687-4f45-9708-019B960494DF}">
-                <a14:hiddenLine xmlns:a14="http://schemas.microsoft.com/office/drawing/2010/main" xmlns="" w="9525">
+                <a14:hiddenLine xmlns="" xmlns:a14="http://schemas.microsoft.com/office/drawing/2010/main" w="9525">
                   <a:solidFill>
                     <a:srgbClr val="000000"/>
                   </a:solidFill>
@@ -825,7 +830,7 @@
             </a:ln>
             <a:extLst>
               <a:ext uri="{91240B29-F687-4f45-9708-019B960494DF}">
-                <a14:hiddenLine xmlns:a14="http://schemas.microsoft.com/office/drawing/2010/main" xmlns="" w="9525">
+                <a14:hiddenLine xmlns="" xmlns:a14="http://schemas.microsoft.com/office/drawing/2010/main" w="9525">
                   <a:solidFill>
                     <a:srgbClr val="000000"/>
                   </a:solidFill>
@@ -887,7 +892,7 @@
             </a:ln>
             <a:extLst>
               <a:ext uri="{91240B29-F687-4f45-9708-019B960494DF}">
-                <a14:hiddenLine xmlns:a14="http://schemas.microsoft.com/office/drawing/2010/main" xmlns="" w="9525">
+                <a14:hiddenLine xmlns="" xmlns:a14="http://schemas.microsoft.com/office/drawing/2010/main" w="9525">
                   <a:solidFill>
                     <a:srgbClr val="000000"/>
                   </a:solidFill>
@@ -977,7 +982,7 @@
             </a:ln>
             <a:extLst>
               <a:ext uri="{91240B29-F687-4f45-9708-019B960494DF}">
-                <a14:hiddenLine xmlns:a14="http://schemas.microsoft.com/office/drawing/2010/main" xmlns="" w="9525">
+                <a14:hiddenLine xmlns="" xmlns:a14="http://schemas.microsoft.com/office/drawing/2010/main" w="9525">
                   <a:solidFill>
                     <a:srgbClr val="000000"/>
                   </a:solidFill>
@@ -1067,7 +1072,7 @@
             </a:ln>
             <a:extLst>
               <a:ext uri="{91240B29-F687-4f45-9708-019B960494DF}">
-                <a14:hiddenLine xmlns:a14="http://schemas.microsoft.com/office/drawing/2010/main" xmlns="" w="9525">
+                <a14:hiddenLine xmlns="" xmlns:a14="http://schemas.microsoft.com/office/drawing/2010/main" w="9525">
                   <a:solidFill>
                     <a:srgbClr val="000000"/>
                   </a:solidFill>
@@ -1129,7 +1134,7 @@
             </a:ln>
             <a:extLst>
               <a:ext uri="{91240B29-F687-4f45-9708-019B960494DF}">
-                <a14:hiddenLine xmlns:a14="http://schemas.microsoft.com/office/drawing/2010/main" xmlns="" w="9525">
+                <a14:hiddenLine xmlns="" xmlns:a14="http://schemas.microsoft.com/office/drawing/2010/main" w="9525">
                   <a:solidFill>
                     <a:srgbClr val="000000"/>
                   </a:solidFill>
@@ -1239,7 +1244,7 @@
             </a:ln>
             <a:extLst>
               <a:ext uri="{91240B29-F687-4f45-9708-019B960494DF}">
-                <a14:hiddenLine xmlns:a14="http://schemas.microsoft.com/office/drawing/2010/main" xmlns="" w="9525">
+                <a14:hiddenLine xmlns="" xmlns:a14="http://schemas.microsoft.com/office/drawing/2010/main" w="9525">
                   <a:solidFill>
                     <a:srgbClr val="000000"/>
                   </a:solidFill>
@@ -1301,7 +1306,7 @@
             </a:ln>
             <a:extLst>
               <a:ext uri="{91240B29-F687-4f45-9708-019B960494DF}">
-                <a14:hiddenLine xmlns:a14="http://schemas.microsoft.com/office/drawing/2010/main" xmlns="" w="9525">
+                <a14:hiddenLine xmlns="" xmlns:a14="http://schemas.microsoft.com/office/drawing/2010/main" w="9525">
                   <a:solidFill>
                     <a:srgbClr val="000000"/>
                   </a:solidFill>
@@ -1391,7 +1396,7 @@
             </a:ln>
             <a:extLst>
               <a:ext uri="{91240B29-F687-4f45-9708-019B960494DF}">
-                <a14:hiddenLine xmlns:a14="http://schemas.microsoft.com/office/drawing/2010/main" xmlns="" w="9525">
+                <a14:hiddenLine xmlns="" xmlns:a14="http://schemas.microsoft.com/office/drawing/2010/main" w="9525">
                   <a:solidFill>
                     <a:srgbClr val="000000"/>
                   </a:solidFill>
@@ -1481,7 +1486,7 @@
             </a:ln>
             <a:extLst>
               <a:ext uri="{91240B29-F687-4f45-9708-019B960494DF}">
-                <a14:hiddenLine xmlns:a14="http://schemas.microsoft.com/office/drawing/2010/main" xmlns="" w="9525">
+                <a14:hiddenLine xmlns="" xmlns:a14="http://schemas.microsoft.com/office/drawing/2010/main" w="9525">
                   <a:solidFill>
                     <a:srgbClr val="000000"/>
                   </a:solidFill>
@@ -1543,7 +1548,7 @@
             </a:ln>
             <a:extLst>
               <a:ext uri="{91240B29-F687-4f45-9708-019B960494DF}">
-                <a14:hiddenLine xmlns:a14="http://schemas.microsoft.com/office/drawing/2010/main" xmlns="" w="9525">
+                <a14:hiddenLine xmlns="" xmlns:a14="http://schemas.microsoft.com/office/drawing/2010/main" w="9525">
                   <a:solidFill>
                     <a:srgbClr val="000000"/>
                   </a:solidFill>
@@ -1633,7 +1638,7 @@
             </a:ln>
             <a:extLst>
               <a:ext uri="{91240B29-F687-4f45-9708-019B960494DF}">
-                <a14:hiddenLine xmlns:a14="http://schemas.microsoft.com/office/drawing/2010/main" xmlns="" w="9525">
+                <a14:hiddenLine xmlns="" xmlns:a14="http://schemas.microsoft.com/office/drawing/2010/main" w="9525">
                   <a:solidFill>
                     <a:srgbClr val="000000"/>
                   </a:solidFill>
@@ -1723,7 +1728,7 @@
             </a:ln>
             <a:extLst>
               <a:ext uri="{91240B29-F687-4f45-9708-019B960494DF}">
-                <a14:hiddenLine xmlns:a14="http://schemas.microsoft.com/office/drawing/2010/main" xmlns="" w="9525">
+                <a14:hiddenLine xmlns="" xmlns:a14="http://schemas.microsoft.com/office/drawing/2010/main" w="9525">
                   <a:solidFill>
                     <a:srgbClr val="000000"/>
                   </a:solidFill>
@@ -1779,7 +1784,7 @@
             </a:ln>
             <a:extLst>
               <a:ext uri="{91240B29-F687-4f45-9708-019B960494DF}">
-                <a14:hiddenLine xmlns:a14="http://schemas.microsoft.com/office/drawing/2010/main" xmlns="" w="9525">
+                <a14:hiddenLine xmlns="" xmlns:a14="http://schemas.microsoft.com/office/drawing/2010/main" w="9525">
                   <a:solidFill>
                     <a:srgbClr val="000000"/>
                   </a:solidFill>
@@ -1869,7 +1874,7 @@
             </a:ln>
             <a:extLst>
               <a:ext uri="{91240B29-F687-4f45-9708-019B960494DF}">
-                <a14:hiddenLine xmlns:a14="http://schemas.microsoft.com/office/drawing/2010/main" xmlns="" w="9525">
+                <a14:hiddenLine xmlns="" xmlns:a14="http://schemas.microsoft.com/office/drawing/2010/main" w="9525">
                   <a:solidFill>
                     <a:srgbClr val="000000"/>
                   </a:solidFill>
@@ -1925,7 +1930,7 @@
             </a:ln>
             <a:extLst>
               <a:ext uri="{91240B29-F687-4f45-9708-019B960494DF}">
-                <a14:hiddenLine xmlns:a14="http://schemas.microsoft.com/office/drawing/2010/main" xmlns="" w="9525">
+                <a14:hiddenLine xmlns="" xmlns:a14="http://schemas.microsoft.com/office/drawing/2010/main" w="9525">
                   <a:solidFill>
                     <a:srgbClr val="000000"/>
                   </a:solidFill>
@@ -2015,7 +2020,7 @@
             </a:ln>
             <a:extLst>
               <a:ext uri="{91240B29-F687-4f45-9708-019B960494DF}">
-                <a14:hiddenLine xmlns:a14="http://schemas.microsoft.com/office/drawing/2010/main" xmlns="" w="9525">
+                <a14:hiddenLine xmlns="" xmlns:a14="http://schemas.microsoft.com/office/drawing/2010/main" w="9525">
                   <a:solidFill>
                     <a:srgbClr val="000000"/>
                   </a:solidFill>
@@ -2083,7 +2088,7 @@
             </a:ln>
             <a:extLst>
               <a:ext uri="{91240B29-F687-4f45-9708-019B960494DF}">
-                <a14:hiddenLine xmlns:a14="http://schemas.microsoft.com/office/drawing/2010/main" xmlns="" w="9525">
+                <a14:hiddenLine xmlns="" xmlns:a14="http://schemas.microsoft.com/office/drawing/2010/main" w="9525">
                   <a:solidFill>
                     <a:srgbClr val="000000"/>
                   </a:solidFill>
@@ -2173,7 +2178,7 @@
             </a:ln>
             <a:extLst>
               <a:ext uri="{91240B29-F687-4f45-9708-019B960494DF}">
-                <a14:hiddenLine xmlns:a14="http://schemas.microsoft.com/office/drawing/2010/main" xmlns="" w="9525">
+                <a14:hiddenLine xmlns="" xmlns:a14="http://schemas.microsoft.com/office/drawing/2010/main" w="9525">
                   <a:solidFill>
                     <a:srgbClr val="000000"/>
                   </a:solidFill>
@@ -2241,7 +2246,7 @@
             </a:ln>
             <a:extLst>
               <a:ext uri="{91240B29-F687-4f45-9708-019B960494DF}">
-                <a14:hiddenLine xmlns:a14="http://schemas.microsoft.com/office/drawing/2010/main" xmlns="" w="9525">
+                <a14:hiddenLine xmlns="" xmlns:a14="http://schemas.microsoft.com/office/drawing/2010/main" w="9525">
                   <a:solidFill>
                     <a:srgbClr val="000000"/>
                   </a:solidFill>
@@ -2331,7 +2336,7 @@
             </a:ln>
             <a:extLst>
               <a:ext uri="{91240B29-F687-4f45-9708-019B960494DF}">
-                <a14:hiddenLine xmlns:a14="http://schemas.microsoft.com/office/drawing/2010/main" xmlns="" w="9525">
+                <a14:hiddenLine xmlns="" xmlns:a14="http://schemas.microsoft.com/office/drawing/2010/main" w="9525">
                   <a:solidFill>
                     <a:srgbClr val="000000"/>
                   </a:solidFill>
@@ -2365,7 +2370,7 @@
             </a:ln>
             <a:extLst>
               <a:ext uri="{91240B29-F687-4f45-9708-019B960494DF}">
-                <a14:hiddenLine xmlns:a14="http://schemas.microsoft.com/office/drawing/2010/main" xmlns="" w="9525">
+                <a14:hiddenLine xmlns="" xmlns:a14="http://schemas.microsoft.com/office/drawing/2010/main" w="9525">
                   <a:solidFill>
                     <a:srgbClr val="000000"/>
                   </a:solidFill>
@@ -2455,7 +2460,7 @@
             </a:ln>
             <a:extLst>
               <a:ext uri="{91240B29-F687-4f45-9708-019B960494DF}">
-                <a14:hiddenLine xmlns:a14="http://schemas.microsoft.com/office/drawing/2010/main" xmlns="" w="9525">
+                <a14:hiddenLine xmlns="" xmlns:a14="http://schemas.microsoft.com/office/drawing/2010/main" w="9525">
                   <a:solidFill>
                     <a:srgbClr val="000000"/>
                   </a:solidFill>
@@ -2517,7 +2522,7 @@
             </a:ln>
             <a:extLst>
               <a:ext uri="{91240B29-F687-4f45-9708-019B960494DF}">
-                <a14:hiddenLine xmlns:a14="http://schemas.microsoft.com/office/drawing/2010/main" xmlns="" w="9525">
+                <a14:hiddenLine xmlns="" xmlns:a14="http://schemas.microsoft.com/office/drawing/2010/main" w="9525">
                   <a:solidFill>
                     <a:srgbClr val="000000"/>
                   </a:solidFill>
@@ -2579,7 +2584,7 @@
             </a:ln>
             <a:extLst>
               <a:ext uri="{91240B29-F687-4f45-9708-019B960494DF}">
-                <a14:hiddenLine xmlns:a14="http://schemas.microsoft.com/office/drawing/2010/main" xmlns="" w="9525">
+                <a14:hiddenLine xmlns="" xmlns:a14="http://schemas.microsoft.com/office/drawing/2010/main" w="9525">
                   <a:solidFill>
                     <a:srgbClr val="000000"/>
                   </a:solidFill>
@@ -2669,7 +2674,7 @@
             </a:ln>
             <a:extLst>
               <a:ext uri="{91240B29-F687-4f45-9708-019B960494DF}">
-                <a14:hiddenLine xmlns:a14="http://schemas.microsoft.com/office/drawing/2010/main" xmlns="" w="9525">
+                <a14:hiddenLine xmlns="" xmlns:a14="http://schemas.microsoft.com/office/drawing/2010/main" w="9525">
                   <a:solidFill>
                     <a:srgbClr val="000000"/>
                   </a:solidFill>
@@ -2737,7 +2742,7 @@
             </a:ln>
             <a:extLst>
               <a:ext uri="{91240B29-F687-4f45-9708-019B960494DF}">
-                <a14:hiddenLine xmlns:a14="http://schemas.microsoft.com/office/drawing/2010/main" xmlns="" w="9525">
+                <a14:hiddenLine xmlns="" xmlns:a14="http://schemas.microsoft.com/office/drawing/2010/main" w="9525">
                   <a:solidFill>
                     <a:srgbClr val="000000"/>
                   </a:solidFill>
@@ -2799,7 +2804,7 @@
             </a:ln>
             <a:extLst>
               <a:ext uri="{91240B29-F687-4f45-9708-019B960494DF}">
-                <a14:hiddenLine xmlns:a14="http://schemas.microsoft.com/office/drawing/2010/main" xmlns="" w="9525">
+                <a14:hiddenLine xmlns="" xmlns:a14="http://schemas.microsoft.com/office/drawing/2010/main" w="9525">
                   <a:solidFill>
                     <a:srgbClr val="000000"/>
                   </a:solidFill>
@@ -2889,7 +2894,7 @@
             </a:ln>
             <a:extLst>
               <a:ext uri="{91240B29-F687-4f45-9708-019B960494DF}">
-                <a14:hiddenLine xmlns:a14="http://schemas.microsoft.com/office/drawing/2010/main" xmlns="" w="9525">
+                <a14:hiddenLine xmlns="" xmlns:a14="http://schemas.microsoft.com/office/drawing/2010/main" w="9525">
                   <a:solidFill>
                     <a:srgbClr val="000000"/>
                   </a:solidFill>
@@ -2951,7 +2956,7 @@
             </a:ln>
             <a:extLst>
               <a:ext uri="{91240B29-F687-4f45-9708-019B960494DF}">
-                <a14:hiddenLine xmlns:a14="http://schemas.microsoft.com/office/drawing/2010/main" xmlns="" w="9525">
+                <a14:hiddenLine xmlns="" xmlns:a14="http://schemas.microsoft.com/office/drawing/2010/main" w="9525">
                   <a:solidFill>
                     <a:srgbClr val="000000"/>
                   </a:solidFill>
@@ -3041,7 +3046,7 @@
             </a:ln>
             <a:extLst>
               <a:ext uri="{91240B29-F687-4f45-9708-019B960494DF}">
-                <a14:hiddenLine xmlns:a14="http://schemas.microsoft.com/office/drawing/2010/main" xmlns="" w="9525">
+                <a14:hiddenLine xmlns="" xmlns:a14="http://schemas.microsoft.com/office/drawing/2010/main" w="9525">
                   <a:solidFill>
                     <a:srgbClr val="000000"/>
                   </a:solidFill>
@@ -3103,7 +3108,7 @@
             </a:ln>
             <a:extLst>
               <a:ext uri="{91240B29-F687-4f45-9708-019B960494DF}">
-                <a14:hiddenLine xmlns:a14="http://schemas.microsoft.com/office/drawing/2010/main" xmlns="" w="9525">
+                <a14:hiddenLine xmlns="" xmlns:a14="http://schemas.microsoft.com/office/drawing/2010/main" w="9525">
                   <a:solidFill>
                     <a:srgbClr val="000000"/>
                   </a:solidFill>
@@ -3193,7 +3198,7 @@
             </a:ln>
             <a:extLst>
               <a:ext uri="{91240B29-F687-4f45-9708-019B960494DF}">
-                <a14:hiddenLine xmlns:a14="http://schemas.microsoft.com/office/drawing/2010/main" xmlns="" w="9525">
+                <a14:hiddenLine xmlns="" xmlns:a14="http://schemas.microsoft.com/office/drawing/2010/main" w="9525">
                   <a:solidFill>
                     <a:srgbClr val="000000"/>
                   </a:solidFill>
@@ -3227,7 +3232,7 @@
             </a:ln>
             <a:extLst>
               <a:ext uri="{91240B29-F687-4f45-9708-019B960494DF}">
-                <a14:hiddenLine xmlns:a14="http://schemas.microsoft.com/office/drawing/2010/main" xmlns="" w="9525">
+                <a14:hiddenLine xmlns="" xmlns:a14="http://schemas.microsoft.com/office/drawing/2010/main" w="9525">
                   <a:solidFill>
                     <a:srgbClr val="000000"/>
                   </a:solidFill>
@@ -3292,7 +3297,7 @@
             </a:ln>
             <a:extLst>
               <a:ext uri="{91240B29-F687-4f45-9708-019B960494DF}">
-                <a14:hiddenLine xmlns:a14="http://schemas.microsoft.com/office/drawing/2010/main" xmlns="" w="9525">
+                <a14:hiddenLine xmlns="" xmlns:a14="http://schemas.microsoft.com/office/drawing/2010/main" w="9525">
                   <a:solidFill>
                     <a:srgbClr val="000000"/>
                   </a:solidFill>
@@ -3382,7 +3387,7 @@
             </a:ln>
             <a:extLst>
               <a:ext uri="{91240B29-F687-4f45-9708-019B960494DF}">
-                <a14:hiddenLine xmlns:a14="http://schemas.microsoft.com/office/drawing/2010/main" xmlns="" w="9525">
+                <a14:hiddenLine xmlns="" xmlns:a14="http://schemas.microsoft.com/office/drawing/2010/main" w="9525">
                   <a:solidFill>
                     <a:srgbClr val="000000"/>
                   </a:solidFill>
@@ -3444,7 +3449,7 @@
             </a:ln>
             <a:extLst>
               <a:ext uri="{91240B29-F687-4f45-9708-019B960494DF}">
-                <a14:hiddenLine xmlns:a14="http://schemas.microsoft.com/office/drawing/2010/main" xmlns="" w="9525">
+                <a14:hiddenLine xmlns="" xmlns:a14="http://schemas.microsoft.com/office/drawing/2010/main" w="9525">
                   <a:solidFill>
                     <a:srgbClr val="000000"/>
                   </a:solidFill>
@@ -3534,7 +3539,7 @@
             </a:ln>
             <a:extLst>
               <a:ext uri="{91240B29-F687-4f45-9708-019B960494DF}">
-                <a14:hiddenLine xmlns:a14="http://schemas.microsoft.com/office/drawing/2010/main" xmlns="" w="9525">
+                <a14:hiddenLine xmlns="" xmlns:a14="http://schemas.microsoft.com/office/drawing/2010/main" w="9525">
                   <a:solidFill>
                     <a:srgbClr val="000000"/>
                   </a:solidFill>
@@ -3624,7 +3629,7 @@
             </a:ln>
             <a:extLst>
               <a:ext uri="{91240B29-F687-4f45-9708-019B960494DF}">
-                <a14:hiddenLine xmlns:a14="http://schemas.microsoft.com/office/drawing/2010/main" xmlns="" w="9525">
+                <a14:hiddenLine xmlns="" xmlns:a14="http://schemas.microsoft.com/office/drawing/2010/main" w="9525">
                   <a:solidFill>
                     <a:srgbClr val="000000"/>
                   </a:solidFill>
@@ -3689,7 +3694,7 @@
             </a:ln>
             <a:extLst>
               <a:ext uri="{91240B29-F687-4f45-9708-019B960494DF}">
-                <a14:hiddenLine xmlns:a14="http://schemas.microsoft.com/office/drawing/2010/main" xmlns="" w="9525">
+                <a14:hiddenLine xmlns="" xmlns:a14="http://schemas.microsoft.com/office/drawing/2010/main" w="9525">
                   <a:solidFill>
                     <a:srgbClr val="000000"/>
                   </a:solidFill>
@@ -3751,7 +3756,7 @@
             </a:ln>
             <a:extLst>
               <a:ext uri="{91240B29-F687-4f45-9708-019B960494DF}">
-                <a14:hiddenLine xmlns:a14="http://schemas.microsoft.com/office/drawing/2010/main" xmlns="" w="9525">
+                <a14:hiddenLine xmlns="" xmlns:a14="http://schemas.microsoft.com/office/drawing/2010/main" w="9525">
                   <a:solidFill>
                     <a:srgbClr val="000000"/>
                   </a:solidFill>
@@ -3841,7 +3846,7 @@
             </a:ln>
             <a:extLst>
               <a:ext uri="{91240B29-F687-4f45-9708-019B960494DF}">
-                <a14:hiddenLine xmlns:a14="http://schemas.microsoft.com/office/drawing/2010/main" xmlns="" w="9525">
+                <a14:hiddenLine xmlns="" xmlns:a14="http://schemas.microsoft.com/office/drawing/2010/main" w="9525">
                   <a:solidFill>
                     <a:srgbClr val="000000"/>
                   </a:solidFill>
@@ -3931,7 +3936,7 @@
             </a:ln>
             <a:extLst>
               <a:ext uri="{91240B29-F687-4f45-9708-019B960494DF}">
-                <a14:hiddenLine xmlns:a14="http://schemas.microsoft.com/office/drawing/2010/main" xmlns="" w="9525">
+                <a14:hiddenLine xmlns="" xmlns:a14="http://schemas.microsoft.com/office/drawing/2010/main" w="9525">
                   <a:solidFill>
                     <a:srgbClr val="000000"/>
                   </a:solidFill>
@@ -3993,7 +3998,7 @@
             </a:ln>
             <a:extLst>
               <a:ext uri="{91240B29-F687-4f45-9708-019B960494DF}">
-                <a14:hiddenLine xmlns:a14="http://schemas.microsoft.com/office/drawing/2010/main" xmlns="" w="9525">
+                <a14:hiddenLine xmlns="" xmlns:a14="http://schemas.microsoft.com/office/drawing/2010/main" w="9525">
                   <a:solidFill>
                     <a:srgbClr val="000000"/>
                   </a:solidFill>
@@ -4113,7 +4118,7 @@
             </a:ln>
             <a:extLst>
               <a:ext uri="{91240B29-F687-4f45-9708-019B960494DF}">
-                <a14:hiddenLine xmlns:a14="http://schemas.microsoft.com/office/drawing/2010/main" xmlns="" w="9525">
+                <a14:hiddenLine xmlns="" xmlns:a14="http://schemas.microsoft.com/office/drawing/2010/main" w="9525">
                   <a:solidFill>
                     <a:srgbClr val="000000"/>
                   </a:solidFill>
@@ -4181,7 +4186,7 @@
             </a:ln>
             <a:extLst>
               <a:ext uri="{91240B29-F687-4f45-9708-019B960494DF}">
-                <a14:hiddenLine xmlns:a14="http://schemas.microsoft.com/office/drawing/2010/main" xmlns="" w="9525">
+                <a14:hiddenLine xmlns="" xmlns:a14="http://schemas.microsoft.com/office/drawing/2010/main" w="9525">
                   <a:solidFill>
                     <a:srgbClr val="000000"/>
                   </a:solidFill>
@@ -4271,7 +4276,7 @@
             </a:ln>
             <a:extLst>
               <a:ext uri="{91240B29-F687-4f45-9708-019B960494DF}">
-                <a14:hiddenLine xmlns:a14="http://schemas.microsoft.com/office/drawing/2010/main" xmlns="" w="9525">
+                <a14:hiddenLine xmlns="" xmlns:a14="http://schemas.microsoft.com/office/drawing/2010/main" w="9525">
                   <a:solidFill>
                     <a:srgbClr val="000000"/>
                   </a:solidFill>
@@ -4411,7 +4416,7 @@
           <a:p>
             <a:fld id="{EF24EDA5-C9F3-4422-815A-14424BF9C188}" type="datetimeFigureOut">
               <a:rPr lang="pt-BR" smtClean="0"/>
-              <a:t>06/09/2024</a:t>
+              <a:t>09/09/2024</a:t>
             </a:fld>
             <a:endParaRPr lang="pt-BR"/>
           </a:p>
@@ -4678,7 +4683,7 @@
           <a:p>
             <a:fld id="{EF24EDA5-C9F3-4422-815A-14424BF9C188}" type="datetimeFigureOut">
               <a:rPr lang="pt-BR" smtClean="0"/>
-              <a:t>06/09/2024</a:t>
+              <a:t>09/09/2024</a:t>
             </a:fld>
             <a:endParaRPr lang="pt-BR"/>
           </a:p>
@@ -4874,7 +4879,7 @@
           <a:p>
             <a:fld id="{EF24EDA5-C9F3-4422-815A-14424BF9C188}" type="datetimeFigureOut">
               <a:rPr lang="pt-BR" smtClean="0"/>
-              <a:t>06/09/2024</a:t>
+              <a:t>09/09/2024</a:t>
             </a:fld>
             <a:endParaRPr lang="pt-BR"/>
           </a:p>
@@ -5137,7 +5142,7 @@
           <a:p>
             <a:fld id="{EF24EDA5-C9F3-4422-815A-14424BF9C188}" type="datetimeFigureOut">
               <a:rPr lang="pt-BR" smtClean="0"/>
-              <a:t>06/09/2024</a:t>
+              <a:t>09/09/2024</a:t>
             </a:fld>
             <a:endParaRPr lang="pt-BR"/>
           </a:p>
@@ -5571,7 +5576,7 @@
           <a:p>
             <a:fld id="{EF24EDA5-C9F3-4422-815A-14424BF9C188}" type="datetimeFigureOut">
               <a:rPr lang="pt-BR" smtClean="0"/>
-              <a:t>06/09/2024</a:t>
+              <a:t>09/09/2024</a:t>
             </a:fld>
             <a:endParaRPr lang="pt-BR"/>
           </a:p>
@@ -6117,7 +6122,7 @@
           <a:p>
             <a:fld id="{EF24EDA5-C9F3-4422-815A-14424BF9C188}" type="datetimeFigureOut">
               <a:rPr lang="pt-BR" smtClean="0"/>
-              <a:t>06/09/2024</a:t>
+              <a:t>09/09/2024</a:t>
             </a:fld>
             <a:endParaRPr lang="pt-BR"/>
           </a:p>
@@ -6837,7 +6842,7 @@
           <a:p>
             <a:fld id="{EF24EDA5-C9F3-4422-815A-14424BF9C188}" type="datetimeFigureOut">
               <a:rPr lang="pt-BR" smtClean="0"/>
-              <a:t>06/09/2024</a:t>
+              <a:t>09/09/2024</a:t>
             </a:fld>
             <a:endParaRPr lang="pt-BR"/>
           </a:p>
@@ -7007,7 +7012,7 @@
           <a:p>
             <a:fld id="{EF24EDA5-C9F3-4422-815A-14424BF9C188}" type="datetimeFigureOut">
               <a:rPr lang="pt-BR" smtClean="0"/>
-              <a:t>06/09/2024</a:t>
+              <a:t>09/09/2024</a:t>
             </a:fld>
             <a:endParaRPr lang="pt-BR"/>
           </a:p>
@@ -7187,7 +7192,7 @@
           <a:p>
             <a:fld id="{EF24EDA5-C9F3-4422-815A-14424BF9C188}" type="datetimeFigureOut">
               <a:rPr lang="pt-BR" smtClean="0"/>
-              <a:t>06/09/2024</a:t>
+              <a:t>09/09/2024</a:t>
             </a:fld>
             <a:endParaRPr lang="pt-BR"/>
           </a:p>
@@ -7357,7 +7362,7 @@
           <a:p>
             <a:fld id="{EF24EDA5-C9F3-4422-815A-14424BF9C188}" type="datetimeFigureOut">
               <a:rPr lang="pt-BR" smtClean="0"/>
-              <a:t>06/09/2024</a:t>
+              <a:t>09/09/2024</a:t>
             </a:fld>
             <a:endParaRPr lang="pt-BR"/>
           </a:p>
@@ -7607,7 +7612,7 @@
           <a:p>
             <a:fld id="{EF24EDA5-C9F3-4422-815A-14424BF9C188}" type="datetimeFigureOut">
               <a:rPr lang="pt-BR" smtClean="0"/>
-              <a:t>06/09/2024</a:t>
+              <a:t>09/09/2024</a:t>
             </a:fld>
             <a:endParaRPr lang="pt-BR"/>
           </a:p>
@@ -7839,7 +7844,7 @@
           <a:p>
             <a:fld id="{EF24EDA5-C9F3-4422-815A-14424BF9C188}" type="datetimeFigureOut">
               <a:rPr lang="pt-BR" smtClean="0"/>
-              <a:t>06/09/2024</a:t>
+              <a:t>09/09/2024</a:t>
             </a:fld>
             <a:endParaRPr lang="pt-BR"/>
           </a:p>
@@ -8220,7 +8225,7 @@
           <a:p>
             <a:fld id="{EF24EDA5-C9F3-4422-815A-14424BF9C188}" type="datetimeFigureOut">
               <a:rPr lang="pt-BR" smtClean="0"/>
-              <a:t>06/09/2024</a:t>
+              <a:t>09/09/2024</a:t>
             </a:fld>
             <a:endParaRPr lang="pt-BR"/>
           </a:p>
@@ -8338,7 +8343,7 @@
           <a:p>
             <a:fld id="{EF24EDA5-C9F3-4422-815A-14424BF9C188}" type="datetimeFigureOut">
               <a:rPr lang="pt-BR" smtClean="0"/>
-              <a:t>06/09/2024</a:t>
+              <a:t>09/09/2024</a:t>
             </a:fld>
             <a:endParaRPr lang="pt-BR"/>
           </a:p>
@@ -8433,7 +8438,7 @@
           <a:p>
             <a:fld id="{EF24EDA5-C9F3-4422-815A-14424BF9C188}" type="datetimeFigureOut">
               <a:rPr lang="pt-BR" smtClean="0"/>
-              <a:t>06/09/2024</a:t>
+              <a:t>09/09/2024</a:t>
             </a:fld>
             <a:endParaRPr lang="pt-BR"/>
           </a:p>
@@ -8682,7 +8687,7 @@
           <a:p>
             <a:fld id="{EF24EDA5-C9F3-4422-815A-14424BF9C188}" type="datetimeFigureOut">
               <a:rPr lang="pt-BR" smtClean="0"/>
-              <a:t>06/09/2024</a:t>
+              <a:t>09/09/2024</a:t>
             </a:fld>
             <a:endParaRPr lang="pt-BR"/>
           </a:p>
@@ -8962,7 +8967,7 @@
           <a:p>
             <a:fld id="{EF24EDA5-C9F3-4422-815A-14424BF9C188}" type="datetimeFigureOut">
               <a:rPr lang="pt-BR" smtClean="0"/>
-              <a:t>06/09/2024</a:t>
+              <a:t>09/09/2024</a:t>
             </a:fld>
             <a:endParaRPr lang="pt-BR"/>
           </a:p>
@@ -9085,7 +9090,7 @@
           <a:noFill/>
           <a:extLst>
             <a:ext uri="{909E8E84-426E-40dd-AFC4-6F175D3DCCD1}">
-              <a14:hiddenFill xmlns:a14="http://schemas.microsoft.com/office/drawing/2010/main" xmlns="">
+              <a14:hiddenFill xmlns="" xmlns:a14="http://schemas.microsoft.com/office/drawing/2010/main">
                 <a:solidFill>
                   <a:srgbClr val="FFFFFF"/>
                 </a:solidFill>
@@ -9159,7 +9164,7 @@
               </a:ln>
               <a:extLst>
                 <a:ext uri="{91240B29-F687-4f45-9708-019B960494DF}">
-                  <a14:hiddenLine xmlns:a14="http://schemas.microsoft.com/office/drawing/2010/main" xmlns="" w="9525">
+                  <a14:hiddenLine xmlns="" xmlns:a14="http://schemas.microsoft.com/office/drawing/2010/main" w="9525">
                     <a:solidFill>
                       <a:srgbClr val="000000"/>
                     </a:solidFill>
@@ -9249,7 +9254,7 @@
               </a:ln>
               <a:extLst>
                 <a:ext uri="{91240B29-F687-4f45-9708-019B960494DF}">
-                  <a14:hiddenLine xmlns:a14="http://schemas.microsoft.com/office/drawing/2010/main" xmlns="" w="9525">
+                  <a14:hiddenLine xmlns="" xmlns:a14="http://schemas.microsoft.com/office/drawing/2010/main" w="9525">
                     <a:solidFill>
                       <a:srgbClr val="000000"/>
                     </a:solidFill>
@@ -9339,7 +9344,7 @@
               </a:ln>
               <a:extLst>
                 <a:ext uri="{91240B29-F687-4f45-9708-019B960494DF}">
-                  <a14:hiddenLine xmlns:a14="http://schemas.microsoft.com/office/drawing/2010/main" xmlns="" w="9525">
+                  <a14:hiddenLine xmlns="" xmlns:a14="http://schemas.microsoft.com/office/drawing/2010/main" w="9525">
                     <a:solidFill>
                       <a:srgbClr val="000000"/>
                     </a:solidFill>
@@ -9401,7 +9406,7 @@
               </a:ln>
               <a:extLst>
                 <a:ext uri="{91240B29-F687-4f45-9708-019B960494DF}">
-                  <a14:hiddenLine xmlns:a14="http://schemas.microsoft.com/office/drawing/2010/main" xmlns="" w="9525">
+                  <a14:hiddenLine xmlns="" xmlns:a14="http://schemas.microsoft.com/office/drawing/2010/main" w="9525">
                     <a:solidFill>
                       <a:srgbClr val="000000"/>
                     </a:solidFill>
@@ -9491,7 +9496,7 @@
               </a:ln>
               <a:extLst>
                 <a:ext uri="{91240B29-F687-4f45-9708-019B960494DF}">
-                  <a14:hiddenLine xmlns:a14="http://schemas.microsoft.com/office/drawing/2010/main" xmlns="" w="9525">
+                  <a14:hiddenLine xmlns="" xmlns:a14="http://schemas.microsoft.com/office/drawing/2010/main" w="9525">
                     <a:solidFill>
                       <a:srgbClr val="000000"/>
                     </a:solidFill>
@@ -9553,7 +9558,7 @@
               </a:ln>
               <a:extLst>
                 <a:ext uri="{91240B29-F687-4f45-9708-019B960494DF}">
-                  <a14:hiddenLine xmlns:a14="http://schemas.microsoft.com/office/drawing/2010/main" xmlns="" w="9525">
+                  <a14:hiddenLine xmlns="" xmlns:a14="http://schemas.microsoft.com/office/drawing/2010/main" w="9525">
                     <a:solidFill>
                       <a:srgbClr val="000000"/>
                     </a:solidFill>
@@ -9615,7 +9620,7 @@
               </a:ln>
               <a:extLst>
                 <a:ext uri="{91240B29-F687-4f45-9708-019B960494DF}">
-                  <a14:hiddenLine xmlns:a14="http://schemas.microsoft.com/office/drawing/2010/main" xmlns="" w="9525">
+                  <a14:hiddenLine xmlns="" xmlns:a14="http://schemas.microsoft.com/office/drawing/2010/main" w="9525">
                     <a:solidFill>
                       <a:srgbClr val="000000"/>
                     </a:solidFill>
@@ -9705,7 +9710,7 @@
               </a:ln>
               <a:extLst>
                 <a:ext uri="{91240B29-F687-4f45-9708-019B960494DF}">
-                  <a14:hiddenLine xmlns:a14="http://schemas.microsoft.com/office/drawing/2010/main" xmlns="" w="9525">
+                  <a14:hiddenLine xmlns="" xmlns:a14="http://schemas.microsoft.com/office/drawing/2010/main" w="9525">
                     <a:solidFill>
                       <a:srgbClr val="000000"/>
                     </a:solidFill>
@@ -9795,7 +9800,7 @@
               </a:ln>
               <a:extLst>
                 <a:ext uri="{91240B29-F687-4f45-9708-019B960494DF}">
-                  <a14:hiddenLine xmlns:a14="http://schemas.microsoft.com/office/drawing/2010/main" xmlns="" w="9525">
+                  <a14:hiddenLine xmlns="" xmlns:a14="http://schemas.microsoft.com/office/drawing/2010/main" w="9525">
                     <a:solidFill>
                       <a:srgbClr val="000000"/>
                     </a:solidFill>
@@ -9857,7 +9862,7 @@
               </a:ln>
               <a:extLst>
                 <a:ext uri="{91240B29-F687-4f45-9708-019B960494DF}">
-                  <a14:hiddenLine xmlns:a14="http://schemas.microsoft.com/office/drawing/2010/main" xmlns="" w="9525">
+                  <a14:hiddenLine xmlns="" xmlns:a14="http://schemas.microsoft.com/office/drawing/2010/main" w="9525">
                     <a:solidFill>
                       <a:srgbClr val="000000"/>
                     </a:solidFill>
@@ -9967,7 +9972,7 @@
               </a:ln>
               <a:extLst>
                 <a:ext uri="{91240B29-F687-4f45-9708-019B960494DF}">
-                  <a14:hiddenLine xmlns:a14="http://schemas.microsoft.com/office/drawing/2010/main" xmlns="" w="9525">
+                  <a14:hiddenLine xmlns="" xmlns:a14="http://schemas.microsoft.com/office/drawing/2010/main" w="9525">
                     <a:solidFill>
                       <a:srgbClr val="000000"/>
                     </a:solidFill>
@@ -10051,7 +10056,7 @@
               </a:ln>
               <a:extLst>
                 <a:ext uri="{91240B29-F687-4f45-9708-019B960494DF}">
-                  <a14:hiddenLine xmlns:a14="http://schemas.microsoft.com/office/drawing/2010/main" xmlns="" w="9525">
+                  <a14:hiddenLine xmlns="" xmlns:a14="http://schemas.microsoft.com/office/drawing/2010/main" w="9525">
                     <a:solidFill>
                       <a:srgbClr val="000000"/>
                     </a:solidFill>
@@ -10113,7 +10118,7 @@
               </a:ln>
               <a:extLst>
                 <a:ext uri="{91240B29-F687-4f45-9708-019B960494DF}">
-                  <a14:hiddenLine xmlns:a14="http://schemas.microsoft.com/office/drawing/2010/main" xmlns="" w="9525">
+                  <a14:hiddenLine xmlns="" xmlns:a14="http://schemas.microsoft.com/office/drawing/2010/main" w="9525">
                     <a:solidFill>
                       <a:srgbClr val="000000"/>
                     </a:solidFill>
@@ -10175,7 +10180,7 @@
               </a:ln>
               <a:extLst>
                 <a:ext uri="{91240B29-F687-4f45-9708-019B960494DF}">
-                  <a14:hiddenLine xmlns:a14="http://schemas.microsoft.com/office/drawing/2010/main" xmlns="" w="9525">
+                  <a14:hiddenLine xmlns="" xmlns:a14="http://schemas.microsoft.com/office/drawing/2010/main" w="9525">
                     <a:solidFill>
                       <a:srgbClr val="000000"/>
                     </a:solidFill>
@@ -10265,7 +10270,7 @@
               </a:ln>
               <a:extLst>
                 <a:ext uri="{91240B29-F687-4f45-9708-019B960494DF}">
-                  <a14:hiddenLine xmlns:a14="http://schemas.microsoft.com/office/drawing/2010/main" xmlns="" w="9525">
+                  <a14:hiddenLine xmlns="" xmlns:a14="http://schemas.microsoft.com/office/drawing/2010/main" w="9525">
                     <a:solidFill>
                       <a:srgbClr val="000000"/>
                     </a:solidFill>
@@ -10299,7 +10304,7 @@
               </a:ln>
               <a:extLst>
                 <a:ext uri="{91240B29-F687-4f45-9708-019B960494DF}">
-                  <a14:hiddenLine xmlns:a14="http://schemas.microsoft.com/office/drawing/2010/main" xmlns="" w="9525">
+                  <a14:hiddenLine xmlns="" xmlns:a14="http://schemas.microsoft.com/office/drawing/2010/main" w="9525">
                     <a:solidFill>
                       <a:srgbClr val="000000"/>
                     </a:solidFill>
@@ -10364,7 +10369,7 @@
               </a:ln>
               <a:extLst>
                 <a:ext uri="{91240B29-F687-4f45-9708-019B960494DF}">
-                  <a14:hiddenLine xmlns:a14="http://schemas.microsoft.com/office/drawing/2010/main" xmlns="" w="9525">
+                  <a14:hiddenLine xmlns="" xmlns:a14="http://schemas.microsoft.com/office/drawing/2010/main" w="9525">
                     <a:solidFill>
                       <a:srgbClr val="000000"/>
                     </a:solidFill>
@@ -10454,7 +10459,7 @@
               </a:ln>
               <a:extLst>
                 <a:ext uri="{91240B29-F687-4f45-9708-019B960494DF}">
-                  <a14:hiddenLine xmlns:a14="http://schemas.microsoft.com/office/drawing/2010/main" xmlns="" w="9525">
+                  <a14:hiddenLine xmlns="" xmlns:a14="http://schemas.microsoft.com/office/drawing/2010/main" w="9525">
                     <a:solidFill>
                       <a:srgbClr val="000000"/>
                     </a:solidFill>
@@ -10516,7 +10521,7 @@
               </a:ln>
               <a:extLst>
                 <a:ext uri="{91240B29-F687-4f45-9708-019B960494DF}">
-                  <a14:hiddenLine xmlns:a14="http://schemas.microsoft.com/office/drawing/2010/main" xmlns="" w="9525">
+                  <a14:hiddenLine xmlns="" xmlns:a14="http://schemas.microsoft.com/office/drawing/2010/main" w="9525">
                     <a:solidFill>
                       <a:srgbClr val="000000"/>
                     </a:solidFill>
@@ -10606,7 +10611,7 @@
               </a:ln>
               <a:extLst>
                 <a:ext uri="{91240B29-F687-4f45-9708-019B960494DF}">
-                  <a14:hiddenLine xmlns:a14="http://schemas.microsoft.com/office/drawing/2010/main" xmlns="" w="9525">
+                  <a14:hiddenLine xmlns="" xmlns:a14="http://schemas.microsoft.com/office/drawing/2010/main" w="9525">
                     <a:solidFill>
                       <a:srgbClr val="000000"/>
                     </a:solidFill>
@@ -10671,7 +10676,7 @@
               </a:ln>
               <a:extLst>
                 <a:ext uri="{91240B29-F687-4f45-9708-019B960494DF}">
-                  <a14:hiddenLine xmlns:a14="http://schemas.microsoft.com/office/drawing/2010/main" xmlns="" w="9525">
+                  <a14:hiddenLine xmlns="" xmlns:a14="http://schemas.microsoft.com/office/drawing/2010/main" w="9525">
                     <a:solidFill>
                       <a:srgbClr val="000000"/>
                     </a:solidFill>
@@ -10733,7 +10738,7 @@
               </a:ln>
               <a:extLst>
                 <a:ext uri="{91240B29-F687-4f45-9708-019B960494DF}">
-                  <a14:hiddenLine xmlns:a14="http://schemas.microsoft.com/office/drawing/2010/main" xmlns="" w="9525">
+                  <a14:hiddenLine xmlns="" xmlns:a14="http://schemas.microsoft.com/office/drawing/2010/main" w="9525">
                     <a:solidFill>
                       <a:srgbClr val="000000"/>
                     </a:solidFill>
@@ -10823,7 +10828,7 @@
               </a:ln>
               <a:extLst>
                 <a:ext uri="{91240B29-F687-4f45-9708-019B960494DF}">
-                  <a14:hiddenLine xmlns:a14="http://schemas.microsoft.com/office/drawing/2010/main" xmlns="" w="9525">
+                  <a14:hiddenLine xmlns="" xmlns:a14="http://schemas.microsoft.com/office/drawing/2010/main" w="9525">
                     <a:solidFill>
                       <a:srgbClr val="000000"/>
                     </a:solidFill>
@@ -10913,7 +10918,7 @@
               </a:ln>
               <a:extLst>
                 <a:ext uri="{91240B29-F687-4f45-9708-019B960494DF}">
-                  <a14:hiddenLine xmlns:a14="http://schemas.microsoft.com/office/drawing/2010/main" xmlns="" w="9525">
+                  <a14:hiddenLine xmlns="" xmlns:a14="http://schemas.microsoft.com/office/drawing/2010/main" w="9525">
                     <a:solidFill>
                       <a:srgbClr val="000000"/>
                     </a:solidFill>
@@ -10978,7 +10983,7 @@
               </a:ln>
               <a:extLst>
                 <a:ext uri="{91240B29-F687-4f45-9708-019B960494DF}">
-                  <a14:hiddenLine xmlns:a14="http://schemas.microsoft.com/office/drawing/2010/main" xmlns="" w="9525">
+                  <a14:hiddenLine xmlns="" xmlns:a14="http://schemas.microsoft.com/office/drawing/2010/main" w="9525">
                     <a:solidFill>
                       <a:srgbClr val="000000"/>
                     </a:solidFill>
@@ -11098,7 +11103,7 @@
               </a:ln>
               <a:extLst>
                 <a:ext uri="{91240B29-F687-4f45-9708-019B960494DF}">
-                  <a14:hiddenLine xmlns:a14="http://schemas.microsoft.com/office/drawing/2010/main" xmlns="" w="9525">
+                  <a14:hiddenLine xmlns="" xmlns:a14="http://schemas.microsoft.com/office/drawing/2010/main" w="9525">
                     <a:solidFill>
                       <a:srgbClr val="000000"/>
                     </a:solidFill>
@@ -11179,7 +11184,7 @@
               </a:ln>
               <a:extLst>
                 <a:ext uri="{91240B29-F687-4f45-9708-019B960494DF}">
-                  <a14:hiddenLine xmlns:a14="http://schemas.microsoft.com/office/drawing/2010/main" xmlns="" w="9525">
+                  <a14:hiddenLine xmlns="" xmlns:a14="http://schemas.microsoft.com/office/drawing/2010/main" w="9525">
                     <a:solidFill>
                       <a:srgbClr val="000000"/>
                     </a:solidFill>
@@ -11294,7 +11299,7 @@
               </a:ln>
               <a:extLst>
                 <a:ext uri="{91240B29-F687-4f45-9708-019B960494DF}">
-                  <a14:hiddenLine xmlns:a14="http://schemas.microsoft.com/office/drawing/2010/main" xmlns="" w="9525">
+                  <a14:hiddenLine xmlns="" xmlns:a14="http://schemas.microsoft.com/office/drawing/2010/main" w="9525">
                     <a:solidFill>
                       <a:srgbClr val="000000"/>
                     </a:solidFill>
@@ -11384,7 +11389,7 @@
               </a:ln>
               <a:extLst>
                 <a:ext uri="{91240B29-F687-4f45-9708-019B960494DF}">
-                  <a14:hiddenLine xmlns:a14="http://schemas.microsoft.com/office/drawing/2010/main" xmlns="" w="9525">
+                  <a14:hiddenLine xmlns="" xmlns:a14="http://schemas.microsoft.com/office/drawing/2010/main" w="9525">
                     <a:solidFill>
                       <a:srgbClr val="000000"/>
                     </a:solidFill>
@@ -11449,7 +11454,7 @@
               </a:ln>
               <a:extLst>
                 <a:ext uri="{91240B29-F687-4f45-9708-019B960494DF}">
-                  <a14:hiddenLine xmlns:a14="http://schemas.microsoft.com/office/drawing/2010/main" xmlns="" w="9525">
+                  <a14:hiddenLine xmlns="" xmlns:a14="http://schemas.microsoft.com/office/drawing/2010/main" w="9525">
                     <a:solidFill>
                       <a:srgbClr val="000000"/>
                     </a:solidFill>
@@ -11539,7 +11544,7 @@
               </a:ln>
               <a:extLst>
                 <a:ext uri="{91240B29-F687-4f45-9708-019B960494DF}">
-                  <a14:hiddenLine xmlns:a14="http://schemas.microsoft.com/office/drawing/2010/main" xmlns="" w="9525">
+                  <a14:hiddenLine xmlns="" xmlns:a14="http://schemas.microsoft.com/office/drawing/2010/main" w="9525">
                     <a:solidFill>
                       <a:srgbClr val="000000"/>
                     </a:solidFill>
@@ -11607,7 +11612,7 @@
               </a:ln>
               <a:extLst>
                 <a:ext uri="{91240B29-F687-4f45-9708-019B960494DF}">
-                  <a14:hiddenLine xmlns:a14="http://schemas.microsoft.com/office/drawing/2010/main" xmlns="" w="9525">
+                  <a14:hiddenLine xmlns="" xmlns:a14="http://schemas.microsoft.com/office/drawing/2010/main" w="9525">
                     <a:solidFill>
                       <a:srgbClr val="000000"/>
                     </a:solidFill>
@@ -11697,7 +11702,7 @@
               </a:ln>
               <a:extLst>
                 <a:ext uri="{91240B29-F687-4f45-9708-019B960494DF}">
-                  <a14:hiddenLine xmlns:a14="http://schemas.microsoft.com/office/drawing/2010/main" xmlns="" w="9525">
+                  <a14:hiddenLine xmlns="" xmlns:a14="http://schemas.microsoft.com/office/drawing/2010/main" w="9525">
                     <a:solidFill>
                       <a:srgbClr val="000000"/>
                     </a:solidFill>
@@ -11765,7 +11770,7 @@
               </a:ln>
               <a:extLst>
                 <a:ext uri="{91240B29-F687-4f45-9708-019B960494DF}">
-                  <a14:hiddenLine xmlns:a14="http://schemas.microsoft.com/office/drawing/2010/main" xmlns="" w="9525">
+                  <a14:hiddenLine xmlns="" xmlns:a14="http://schemas.microsoft.com/office/drawing/2010/main" w="9525">
                     <a:solidFill>
                       <a:srgbClr val="000000"/>
                     </a:solidFill>
@@ -11855,7 +11860,7 @@
               </a:ln>
               <a:extLst>
                 <a:ext uri="{91240B29-F687-4f45-9708-019B960494DF}">
-                  <a14:hiddenLine xmlns:a14="http://schemas.microsoft.com/office/drawing/2010/main" xmlns="" w="9525">
+                  <a14:hiddenLine xmlns="" xmlns:a14="http://schemas.microsoft.com/office/drawing/2010/main" w="9525">
                     <a:solidFill>
                       <a:srgbClr val="000000"/>
                     </a:solidFill>
@@ -11889,7 +11894,7 @@
               </a:ln>
               <a:extLst>
                 <a:ext uri="{91240B29-F687-4f45-9708-019B960494DF}">
-                  <a14:hiddenLine xmlns:a14="http://schemas.microsoft.com/office/drawing/2010/main" xmlns="" w="9525">
+                  <a14:hiddenLine xmlns="" xmlns:a14="http://schemas.microsoft.com/office/drawing/2010/main" w="9525">
                     <a:solidFill>
                       <a:srgbClr val="000000"/>
                     </a:solidFill>
@@ -12029,7 +12034,7 @@
           <a:p>
             <a:fld id="{EF24EDA5-C9F3-4422-815A-14424BF9C188}" type="datetimeFigureOut">
               <a:rPr lang="pt-BR" smtClean="0"/>
-              <a:t>06/09/2024</a:t>
+              <a:t>09/09/2024</a:t>
             </a:fld>
             <a:endParaRPr lang="pt-BR"/>
           </a:p>
@@ -12597,13 +12602,8 @@
           <a:p>
             <a:r>
               <a:rPr lang="pt-BR" dirty="0"/>
-              <a:t>Expressões Lógicas e </a:t>
-            </a:r>
-            <a:r>
-              <a:rPr lang="pt-BR" dirty="0" err="1"/>
-              <a:t>Aritiméticas</a:t>
-            </a:r>
-            <a:endParaRPr lang="pt-BR" dirty="0"/>
+              <a:t>Expressões Lógicas e Aritméticas</a:t>
+            </a:r>
           </a:p>
           <a:p>
             <a:r>
